--- a/FYP/FYPTimeline 11th June Edition.pptx
+++ b/FYP/FYPTimeline 11th June Edition.pptx
@@ -209,7 +209,7 @@
           <a:p>
             <a:fld id="{D8A5F3BE-A6C5-E54D-9A35-A968F4ADF59A}" type="datetimeFigureOut">
               <a:rPr lang="en-US" smtClean="0"/>
-              <a:t>6/11/2016</a:t>
+              <a:t>6/12/2016</a:t>
             </a:fld>
             <a:endParaRPr lang="en-US"/>
           </a:p>
@@ -697,7 +697,7 @@
           <a:p>
             <a:fld id="{D93CE7DB-6B87-9F48-AC89-27FF703009F0}" type="datetimeFigureOut">
               <a:rPr lang="en-US" smtClean="0"/>
-              <a:t>6/11/2016</a:t>
+              <a:t>6/12/2016</a:t>
             </a:fld>
             <a:endParaRPr lang="en-US"/>
           </a:p>
@@ -867,7 +867,7 @@
           <a:p>
             <a:fld id="{D93CE7DB-6B87-9F48-AC89-27FF703009F0}" type="datetimeFigureOut">
               <a:rPr lang="en-US" smtClean="0"/>
-              <a:t>6/11/2016</a:t>
+              <a:t>6/12/2016</a:t>
             </a:fld>
             <a:endParaRPr lang="en-US"/>
           </a:p>
@@ -1047,7 +1047,7 @@
           <a:p>
             <a:fld id="{D93CE7DB-6B87-9F48-AC89-27FF703009F0}" type="datetimeFigureOut">
               <a:rPr lang="en-US" smtClean="0"/>
-              <a:t>6/11/2016</a:t>
+              <a:t>6/12/2016</a:t>
             </a:fld>
             <a:endParaRPr lang="en-US"/>
           </a:p>
@@ -1217,7 +1217,7 @@
           <a:p>
             <a:fld id="{D93CE7DB-6B87-9F48-AC89-27FF703009F0}" type="datetimeFigureOut">
               <a:rPr lang="en-US" smtClean="0"/>
-              <a:t>6/11/2016</a:t>
+              <a:t>6/12/2016</a:t>
             </a:fld>
             <a:endParaRPr lang="en-US"/>
           </a:p>
@@ -1461,7 +1461,7 @@
           <a:p>
             <a:fld id="{D93CE7DB-6B87-9F48-AC89-27FF703009F0}" type="datetimeFigureOut">
               <a:rPr lang="en-US" smtClean="0"/>
-              <a:t>6/11/2016</a:t>
+              <a:t>6/12/2016</a:t>
             </a:fld>
             <a:endParaRPr lang="en-US"/>
           </a:p>
@@ -1693,7 +1693,7 @@
           <a:p>
             <a:fld id="{D93CE7DB-6B87-9F48-AC89-27FF703009F0}" type="datetimeFigureOut">
               <a:rPr lang="en-US" smtClean="0"/>
-              <a:t>6/11/2016</a:t>
+              <a:t>6/12/2016</a:t>
             </a:fld>
             <a:endParaRPr lang="en-US"/>
           </a:p>
@@ -2060,7 +2060,7 @@
           <a:p>
             <a:fld id="{D93CE7DB-6B87-9F48-AC89-27FF703009F0}" type="datetimeFigureOut">
               <a:rPr lang="en-US" smtClean="0"/>
-              <a:t>6/11/2016</a:t>
+              <a:t>6/12/2016</a:t>
             </a:fld>
             <a:endParaRPr lang="en-US"/>
           </a:p>
@@ -2178,7 +2178,7 @@
           <a:p>
             <a:fld id="{D93CE7DB-6B87-9F48-AC89-27FF703009F0}" type="datetimeFigureOut">
               <a:rPr lang="en-US" smtClean="0"/>
-              <a:t>6/11/2016</a:t>
+              <a:t>6/12/2016</a:t>
             </a:fld>
             <a:endParaRPr lang="en-US"/>
           </a:p>
@@ -2273,7 +2273,7 @@
           <a:p>
             <a:fld id="{D93CE7DB-6B87-9F48-AC89-27FF703009F0}" type="datetimeFigureOut">
               <a:rPr lang="en-US" smtClean="0"/>
-              <a:t>6/11/2016</a:t>
+              <a:t>6/12/2016</a:t>
             </a:fld>
             <a:endParaRPr lang="en-US"/>
           </a:p>
@@ -2550,7 +2550,7 @@
           <a:p>
             <a:fld id="{D93CE7DB-6B87-9F48-AC89-27FF703009F0}" type="datetimeFigureOut">
               <a:rPr lang="en-US" smtClean="0"/>
-              <a:t>6/11/2016</a:t>
+              <a:t>6/12/2016</a:t>
             </a:fld>
             <a:endParaRPr lang="en-US"/>
           </a:p>
@@ -2807,7 +2807,7 @@
           <a:p>
             <a:fld id="{D93CE7DB-6B87-9F48-AC89-27FF703009F0}" type="datetimeFigureOut">
               <a:rPr lang="en-US" smtClean="0"/>
-              <a:t>6/11/2016</a:t>
+              <a:t>6/12/2016</a:t>
             </a:fld>
             <a:endParaRPr lang="en-US"/>
           </a:p>
@@ -3020,7 +3020,7 @@
           <a:p>
             <a:fld id="{D93CE7DB-6B87-9F48-AC89-27FF703009F0}" type="datetimeFigureOut">
               <a:rPr lang="en-US" smtClean="0"/>
-              <a:t>6/11/2016</a:t>
+              <a:t>6/12/2016</a:t>
             </a:fld>
             <a:endParaRPr lang="en-US"/>
           </a:p>
@@ -4344,7 +4344,7 @@
         </p:nvGrpSpPr>
         <p:grpSpPr>
           <a:xfrm>
-            <a:off x="7407396" y="4088881"/>
+            <a:off x="7424185" y="4075230"/>
             <a:ext cx="426720" cy="286231"/>
             <a:chOff x="6298196" y="4073218"/>
             <a:chExt cx="406400" cy="272602"/>
@@ -5234,7 +5234,7 @@
           <p:nvPr>
             <p:extLst>
               <p:ext uri="{D42A27DB-BD31-4B8C-83A1-F6EECF244321}">
-                <p14:modId xmlns:p14="http://schemas.microsoft.com/office/powerpoint/2010/main" val="1172299494"/>
+                <p14:modId xmlns:p14="http://schemas.microsoft.com/office/powerpoint/2010/main" val="3123293699"/>
               </p:ext>
             </p:extLst>
           </p:nvPr>
@@ -5295,7 +5295,15 @@
                           <a:ea typeface="Noveo Sans" charset="0"/>
                           <a:cs typeface="Noveo Sans" charset="0"/>
                         </a:rPr>
-                        <a:t> 12</a:t>
+                        <a:t> </a:t>
+                      </a:r>
+                      <a:r>
+                        <a:rPr lang="en-US" sz="1300" b="0" baseline="0" dirty="0" smtClean="0">
+                          <a:latin typeface="Noveo Sans" charset="0"/>
+                          <a:ea typeface="Noveo Sans" charset="0"/>
+                          <a:cs typeface="Noveo Sans" charset="0"/>
+                        </a:rPr>
+                        <a:t>19</a:t>
                       </a:r>
                       <a:r>
                         <a:rPr lang="en-US" sz="1300" b="0" baseline="30000" dirty="0" smtClean="0">
@@ -5311,7 +5319,7 @@
                           <a:ea typeface="Noveo Sans" charset="0"/>
                           <a:cs typeface="Noveo Sans" charset="0"/>
                         </a:rPr>
-                        <a:t> June</a:t>
+                        <a:t> Jun</a:t>
                       </a:r>
                       <a:endParaRPr lang="en-US" sz="1300" b="0" dirty="0">
                         <a:latin typeface="Noveo Sans" charset="0"/>
@@ -5548,7 +5556,7 @@
           <p:nvPr>
             <p:extLst>
               <p:ext uri="{D42A27DB-BD31-4B8C-83A1-F6EECF244321}">
-                <p14:modId xmlns:p14="http://schemas.microsoft.com/office/powerpoint/2010/main" val="1525604529"/>
+                <p14:modId xmlns:p14="http://schemas.microsoft.com/office/powerpoint/2010/main" val="1281069682"/>
               </p:ext>
             </p:extLst>
           </p:nvPr>
@@ -5585,7 +5593,7 @@
                           <a:ea typeface="Noveo Sans" charset="0"/>
                           <a:cs typeface="Noveo Sans" charset="0"/>
                         </a:rPr>
-                        <a:t>13</a:t>
+                        <a:t>20</a:t>
                       </a:r>
                       <a:r>
                         <a:rPr lang="en-US" sz="1300" b="0" baseline="30000" dirty="0" smtClean="0">
@@ -5601,7 +5609,15 @@
                           <a:ea typeface="Noveo Sans" charset="0"/>
                           <a:cs typeface="Noveo Sans" charset="0"/>
                         </a:rPr>
-                        <a:t> June –</a:t>
+                        <a:t> Jun </a:t>
+                      </a:r>
+                      <a:r>
+                        <a:rPr lang="en-US" sz="1300" b="0" dirty="0" smtClean="0">
+                          <a:latin typeface="Noveo Sans" charset="0"/>
+                          <a:ea typeface="Noveo Sans" charset="0"/>
+                          <a:cs typeface="Noveo Sans" charset="0"/>
+                        </a:rPr>
+                        <a:t>–</a:t>
                       </a:r>
                       <a:r>
                         <a:rPr lang="en-US" sz="1300" b="0" baseline="0" dirty="0" smtClean="0">
@@ -5609,7 +5625,15 @@
                           <a:ea typeface="Noveo Sans" charset="0"/>
                           <a:cs typeface="Noveo Sans" charset="0"/>
                         </a:rPr>
-                        <a:t> 26</a:t>
+                        <a:t> </a:t>
+                      </a:r>
+                      <a:r>
+                        <a:rPr lang="en-US" sz="1300" b="0" baseline="0" dirty="0" smtClean="0">
+                          <a:latin typeface="Noveo Sans" charset="0"/>
+                          <a:ea typeface="Noveo Sans" charset="0"/>
+                          <a:cs typeface="Noveo Sans" charset="0"/>
+                        </a:rPr>
+                        <a:t>3</a:t>
                       </a:r>
                       <a:r>
                         <a:rPr lang="en-US" sz="1300" b="0" baseline="30000" dirty="0" smtClean="0">
@@ -5617,7 +5641,7 @@
                           <a:ea typeface="Noveo Sans" charset="0"/>
                           <a:cs typeface="Noveo Sans" charset="0"/>
                         </a:rPr>
-                        <a:t>th</a:t>
+                        <a:t>rd</a:t>
                       </a:r>
                       <a:r>
                         <a:rPr lang="en-US" sz="1300" b="0" baseline="0" dirty="0" smtClean="0">
@@ -5625,15 +5649,7 @@
                           <a:ea typeface="Noveo Sans" charset="0"/>
                           <a:cs typeface="Noveo Sans" charset="0"/>
                         </a:rPr>
-                        <a:t> </a:t>
-                      </a:r>
-                      <a:r>
-                        <a:rPr lang="en-US" sz="1300" b="0" dirty="0" smtClean="0">
-                          <a:latin typeface="Noveo Sans" charset="0"/>
-                          <a:ea typeface="Noveo Sans" charset="0"/>
-                          <a:cs typeface="Noveo Sans" charset="0"/>
-                        </a:rPr>
-                        <a:t>June</a:t>
+                        <a:t> Jul</a:t>
                       </a:r>
                       <a:endParaRPr lang="en-US" sz="1300" b="0" dirty="0">
                         <a:latin typeface="Noveo Sans" charset="0"/>
@@ -5942,7 +5958,7 @@
           <p:nvPr>
             <p:extLst>
               <p:ext uri="{D42A27DB-BD31-4B8C-83A1-F6EECF244321}">
-                <p14:modId xmlns:p14="http://schemas.microsoft.com/office/powerpoint/2010/main" val="1388349279"/>
+                <p14:modId xmlns:p14="http://schemas.microsoft.com/office/powerpoint/2010/main" val="1648734545"/>
               </p:ext>
             </p:extLst>
           </p:nvPr>
@@ -5979,7 +5995,7 @@
                           <a:ea typeface="Noveo Sans" charset="0"/>
                           <a:cs typeface="Noveo Sans" charset="0"/>
                         </a:rPr>
-                        <a:t>27</a:t>
+                        <a:t>4</a:t>
                       </a:r>
                       <a:r>
                         <a:rPr lang="en-US" sz="1300" b="0" baseline="30000" dirty="0" smtClean="0">
@@ -6003,7 +6019,7 @@
                           <a:ea typeface="Noveo Sans" charset="0"/>
                           <a:cs typeface="Noveo Sans" charset="0"/>
                         </a:rPr>
-                        <a:t>June</a:t>
+                        <a:t>Jun</a:t>
                       </a:r>
                       <a:r>
                         <a:rPr lang="en-US" sz="1300" b="0" dirty="0" smtClean="0">
@@ -6011,7 +6027,15 @@
                           <a:ea typeface="Noveo Sans" charset="0"/>
                           <a:cs typeface="Noveo Sans" charset="0"/>
                         </a:rPr>
-                        <a:t> –</a:t>
+                        <a:t> </a:t>
+                      </a:r>
+                      <a:r>
+                        <a:rPr lang="en-US" sz="1300" b="0" dirty="0" smtClean="0">
+                          <a:latin typeface="Noveo Sans" charset="0"/>
+                          <a:ea typeface="Noveo Sans" charset="0"/>
+                          <a:cs typeface="Noveo Sans" charset="0"/>
+                        </a:rPr>
+                        <a:t>–</a:t>
                       </a:r>
                       <a:r>
                         <a:rPr lang="en-US" sz="1300" b="0" baseline="0" dirty="0" smtClean="0">
@@ -6019,7 +6043,15 @@
                           <a:ea typeface="Noveo Sans" charset="0"/>
                           <a:cs typeface="Noveo Sans" charset="0"/>
                         </a:rPr>
-                        <a:t> 10</a:t>
+                        <a:t> </a:t>
+                      </a:r>
+                      <a:r>
+                        <a:rPr lang="en-US" sz="1300" b="0" baseline="0" dirty="0" smtClean="0">
+                          <a:latin typeface="Noveo Sans" charset="0"/>
+                          <a:ea typeface="Noveo Sans" charset="0"/>
+                          <a:cs typeface="Noveo Sans" charset="0"/>
+                        </a:rPr>
+                        <a:t>17</a:t>
                       </a:r>
                       <a:r>
                         <a:rPr lang="en-US" sz="1300" b="0" baseline="30000" dirty="0" smtClean="0">
@@ -6035,7 +6067,7 @@
                           <a:ea typeface="Noveo Sans" charset="0"/>
                           <a:cs typeface="Noveo Sans" charset="0"/>
                         </a:rPr>
-                        <a:t> July</a:t>
+                        <a:t> Jul</a:t>
                       </a:r>
                       <a:endParaRPr lang="en-US" sz="1300" b="0" dirty="0">
                         <a:latin typeface="Noveo Sans" charset="0"/>
@@ -6298,14 +6330,14 @@
           <p:nvPr>
             <p:extLst>
               <p:ext uri="{D42A27DB-BD31-4B8C-83A1-F6EECF244321}">
-                <p14:modId xmlns:p14="http://schemas.microsoft.com/office/powerpoint/2010/main" val="2545314142"/>
+                <p14:modId xmlns:p14="http://schemas.microsoft.com/office/powerpoint/2010/main" val="1908602200"/>
               </p:ext>
             </p:extLst>
           </p:nvPr>
         </p:nvGraphicFramePr>
         <p:xfrm>
-          <a:off x="2008338" y="4704749"/>
-          <a:ext cx="2690439" cy="2248183"/>
+          <a:off x="2008338" y="4724836"/>
+          <a:ext cx="2690439" cy="2228096"/>
         </p:xfrm>
         <a:graphic>
           <a:graphicData uri="http://schemas.openxmlformats.org/drawingml/2006/table">
@@ -6322,7 +6354,7 @@
                   </a:extLst>
                 </a:gridCol>
               </a:tblGrid>
-              <a:tr h="257440">
+              <a:tr h="279220">
                 <a:tc>
                   <a:txBody>
                     <a:bodyPr/>
@@ -6335,7 +6367,63 @@
                           <a:ea typeface="Noveo Sans" charset="0"/>
                           <a:cs typeface="Noveo Sans" charset="0"/>
                         </a:rPr>
-                        <a:t>11th July – 24th July</a:t>
+                        <a:t>18</a:t>
+                      </a:r>
+                      <a:r>
+                        <a:rPr lang="en-SG" sz="1300" b="0" baseline="30000" dirty="0" smtClean="0">
+                          <a:latin typeface="Noveo Sans" charset="0"/>
+                          <a:ea typeface="Noveo Sans" charset="0"/>
+                          <a:cs typeface="Noveo Sans" charset="0"/>
+                        </a:rPr>
+                        <a:t>th</a:t>
+                      </a:r>
+                      <a:r>
+                        <a:rPr lang="en-SG" sz="1300" b="0" baseline="0" dirty="0" smtClean="0">
+                          <a:latin typeface="Noveo Sans" charset="0"/>
+                          <a:ea typeface="Noveo Sans" charset="0"/>
+                          <a:cs typeface="Noveo Sans" charset="0"/>
+                        </a:rPr>
+                        <a:t> </a:t>
+                      </a:r>
+                      <a:r>
+                        <a:rPr lang="en-SG" sz="1300" b="0" dirty="0" smtClean="0">
+                          <a:latin typeface="Noveo Sans" charset="0"/>
+                          <a:ea typeface="Noveo Sans" charset="0"/>
+                          <a:cs typeface="Noveo Sans" charset="0"/>
+                        </a:rPr>
+                        <a:t>Jul </a:t>
+                      </a:r>
+                      <a:r>
+                        <a:rPr lang="en-SG" sz="1300" b="0" dirty="0" smtClean="0">
+                          <a:latin typeface="Noveo Sans" charset="0"/>
+                          <a:ea typeface="Noveo Sans" charset="0"/>
+                          <a:cs typeface="Noveo Sans" charset="0"/>
+                        </a:rPr>
+                        <a:t>– </a:t>
+                      </a:r>
+                      <a:r>
+                        <a:rPr lang="en-SG" sz="1300" b="0" dirty="0" smtClean="0">
+                          <a:latin typeface="Noveo Sans" charset="0"/>
+                          <a:ea typeface="Noveo Sans" charset="0"/>
+                          <a:cs typeface="Noveo Sans" charset="0"/>
+                        </a:rPr>
+                        <a:t>31</a:t>
+                      </a:r>
+                      <a:r>
+                        <a:rPr lang="en-SG" sz="1300" b="0" baseline="30000" dirty="0" smtClean="0">
+                          <a:latin typeface="Noveo Sans" charset="0"/>
+                          <a:ea typeface="Noveo Sans" charset="0"/>
+                          <a:cs typeface="Noveo Sans" charset="0"/>
+                        </a:rPr>
+                        <a:t>st</a:t>
+                      </a:r>
+                      <a:r>
+                        <a:rPr lang="en-SG" sz="1300" b="0" dirty="0" smtClean="0">
+                          <a:latin typeface="Noveo Sans" charset="0"/>
+                          <a:ea typeface="Noveo Sans" charset="0"/>
+                          <a:cs typeface="Noveo Sans" charset="0"/>
+                        </a:rPr>
+                        <a:t> Jul</a:t>
                       </a:r>
                       <a:endParaRPr lang="en-US" sz="1300" b="0" dirty="0">
                         <a:latin typeface="Noveo Sans" charset="0"/>
@@ -6356,7 +6444,7 @@
                   </a:ext>
                 </a:extLst>
               </a:tr>
-              <a:tr h="481861">
+              <a:tr h="457428">
                 <a:tc>
                   <a:txBody>
                     <a:bodyPr/>
@@ -6421,7 +6509,7 @@
                   </a:ext>
                 </a:extLst>
               </a:tr>
-              <a:tr h="790969">
+              <a:tr h="785574">
                 <a:tc>
                   <a:txBody>
                     <a:bodyPr/>
@@ -6477,7 +6565,7 @@
                   </a:ext>
                 </a:extLst>
               </a:tr>
-              <a:tr h="574464">
+              <a:tr h="611967">
                 <a:tc>
                   <a:txBody>
                     <a:bodyPr/>
@@ -6628,14 +6716,14 @@
           <p:nvPr>
             <p:extLst>
               <p:ext uri="{D42A27DB-BD31-4B8C-83A1-F6EECF244321}">
-                <p14:modId xmlns:p14="http://schemas.microsoft.com/office/powerpoint/2010/main" val="287620967"/>
+                <p14:modId xmlns:p14="http://schemas.microsoft.com/office/powerpoint/2010/main" val="3175070172"/>
               </p:ext>
             </p:extLst>
           </p:nvPr>
         </p:nvGraphicFramePr>
         <p:xfrm>
           <a:off x="6912102" y="207440"/>
-          <a:ext cx="1512084" cy="2147322"/>
+          <a:ext cx="1704242" cy="1960972"/>
         </p:xfrm>
         <a:graphic>
           <a:graphicData uri="http://schemas.openxmlformats.org/drawingml/2006/table">
@@ -6644,7 +6732,7 @@
                 <a:tableStyleId>{073A0DAA-6AF3-43AB-8588-CEC1D06C72B9}</a:tableStyleId>
               </a:tblPr>
               <a:tblGrid>
-                <a:gridCol w="1512084">
+                <a:gridCol w="1704242">
                   <a:extLst>
                     <a:ext uri="{9D8B030D-6E8A-4147-A177-3AD203B41FA5}">
                       <a16:colId xmlns:a16="http://schemas.microsoft.com/office/drawing/2014/main" val="2192527220"/>
@@ -6665,7 +6753,63 @@
                           <a:ea typeface="Noveo Sans" charset="0"/>
                           <a:cs typeface="Noveo Sans" charset="0"/>
                         </a:rPr>
-                        <a:t>19th Sep – 2nd Oct</a:t>
+                        <a:t>26</a:t>
+                      </a:r>
+                      <a:r>
+                        <a:rPr lang="en-SG" sz="1300" b="0" baseline="30000" dirty="0" smtClean="0">
+                          <a:latin typeface="Noveo Sans" charset="0"/>
+                          <a:ea typeface="Noveo Sans" charset="0"/>
+                          <a:cs typeface="Noveo Sans" charset="0"/>
+                        </a:rPr>
+                        <a:t>th</a:t>
+                      </a:r>
+                      <a:r>
+                        <a:rPr lang="en-SG" sz="1300" b="0" dirty="0" smtClean="0">
+                          <a:latin typeface="Noveo Sans" charset="0"/>
+                          <a:ea typeface="Noveo Sans" charset="0"/>
+                          <a:cs typeface="Noveo Sans" charset="0"/>
+                        </a:rPr>
+                        <a:t> </a:t>
+                      </a:r>
+                      <a:r>
+                        <a:rPr lang="en-SG" sz="1300" b="0" dirty="0" smtClean="0">
+                          <a:latin typeface="Noveo Sans" charset="0"/>
+                          <a:ea typeface="Noveo Sans" charset="0"/>
+                          <a:cs typeface="Noveo Sans" charset="0"/>
+                        </a:rPr>
+                        <a:t>Sep – </a:t>
+                      </a:r>
+                      <a:r>
+                        <a:rPr lang="en-SG" sz="1300" b="0" dirty="0" smtClean="0">
+                          <a:latin typeface="Noveo Sans" charset="0"/>
+                          <a:ea typeface="Noveo Sans" charset="0"/>
+                          <a:cs typeface="Noveo Sans" charset="0"/>
+                        </a:rPr>
+                        <a:t>9</a:t>
+                      </a:r>
+                      <a:r>
+                        <a:rPr lang="en-SG" sz="1300" b="0" baseline="30000" dirty="0" smtClean="0">
+                          <a:latin typeface="Noveo Sans" charset="0"/>
+                          <a:ea typeface="Noveo Sans" charset="0"/>
+                          <a:cs typeface="Noveo Sans" charset="0"/>
+                        </a:rPr>
+                        <a:t>th</a:t>
+                      </a:r>
+                      <a:r>
+                        <a:rPr lang="en-SG" sz="1300" b="0" dirty="0" smtClean="0">
+                          <a:latin typeface="Noveo Sans" charset="0"/>
+                          <a:ea typeface="Noveo Sans" charset="0"/>
+                          <a:cs typeface="Noveo Sans" charset="0"/>
+                        </a:rPr>
+                        <a:t> </a:t>
+                      </a:r>
+                      <a:r>
+                        <a:rPr lang="en-SG" sz="1300" b="0" dirty="0" smtClean="0">
+                          <a:latin typeface="Noveo Sans" charset="0"/>
+                          <a:ea typeface="Noveo Sans" charset="0"/>
+                          <a:cs typeface="Noveo Sans" charset="0"/>
+                        </a:rPr>
+                        <a:t>Oct</a:t>
                       </a:r>
                       <a:endParaRPr lang="en-US" sz="1300" b="0" dirty="0">
                         <a:latin typeface="Noveo Sans" charset="0"/>
@@ -6929,9 +7073,9 @@
           <p:nvPr/>
         </p:nvCxnSpPr>
         <p:spPr>
-          <a:xfrm>
-            <a:off x="5106096" y="4324053"/>
-            <a:ext cx="0" cy="2625327"/>
+          <a:xfrm flipH="1">
+            <a:off x="5104499" y="4324053"/>
+            <a:ext cx="1597" cy="2726380"/>
           </a:xfrm>
           <a:prstGeom prst="line">
             <a:avLst/>
@@ -6966,14 +7110,14 @@
           <p:nvPr>
             <p:extLst>
               <p:ext uri="{D42A27DB-BD31-4B8C-83A1-F6EECF244321}">
-                <p14:modId xmlns:p14="http://schemas.microsoft.com/office/powerpoint/2010/main" val="3966554305"/>
+                <p14:modId xmlns:p14="http://schemas.microsoft.com/office/powerpoint/2010/main" val="2504503108"/>
               </p:ext>
             </p:extLst>
           </p:nvPr>
         </p:nvGraphicFramePr>
         <p:xfrm>
           <a:off x="2879739" y="213054"/>
-          <a:ext cx="1935761" cy="2932890"/>
+          <a:ext cx="1935761" cy="2802414"/>
         </p:xfrm>
         <a:graphic>
           <a:graphicData uri="http://schemas.openxmlformats.org/drawingml/2006/table">
@@ -7003,7 +7147,63 @@
                           <a:ea typeface="Noveo Sans" charset="0"/>
                           <a:cs typeface="Noveo Sans" charset="0"/>
                         </a:rPr>
-                        <a:t>25th July – 7th Aug</a:t>
+                        <a:t>1</a:t>
+                      </a:r>
+                      <a:r>
+                        <a:rPr lang="en-SG" sz="1300" b="0" baseline="30000" dirty="0" smtClean="0">
+                          <a:latin typeface="Noveo Sans" charset="0"/>
+                          <a:ea typeface="Noveo Sans" charset="0"/>
+                          <a:cs typeface="Noveo Sans" charset="0"/>
+                        </a:rPr>
+                        <a:t>st</a:t>
+                      </a:r>
+                      <a:r>
+                        <a:rPr lang="en-SG" sz="1300" b="0" dirty="0" smtClean="0">
+                          <a:latin typeface="Noveo Sans" charset="0"/>
+                          <a:ea typeface="Noveo Sans" charset="0"/>
+                          <a:cs typeface="Noveo Sans" charset="0"/>
+                        </a:rPr>
+                        <a:t> Aug</a:t>
+                      </a:r>
+                      <a:r>
+                        <a:rPr lang="en-SG" sz="1300" b="0" baseline="0" dirty="0" smtClean="0">
+                          <a:latin typeface="Noveo Sans" charset="0"/>
+                          <a:ea typeface="Noveo Sans" charset="0"/>
+                          <a:cs typeface="Noveo Sans" charset="0"/>
+                        </a:rPr>
+                        <a:t> </a:t>
+                      </a:r>
+                      <a:r>
+                        <a:rPr lang="en-SG" sz="1300" b="0" dirty="0" smtClean="0">
+                          <a:latin typeface="Noveo Sans" charset="0"/>
+                          <a:ea typeface="Noveo Sans" charset="0"/>
+                          <a:cs typeface="Noveo Sans" charset="0"/>
+                        </a:rPr>
+                        <a:t>– 14</a:t>
+                      </a:r>
+                      <a:r>
+                        <a:rPr lang="en-SG" sz="1300" b="0" baseline="30000" dirty="0" smtClean="0">
+                          <a:latin typeface="Noveo Sans" charset="0"/>
+                          <a:ea typeface="Noveo Sans" charset="0"/>
+                          <a:cs typeface="Noveo Sans" charset="0"/>
+                        </a:rPr>
+                        <a:t>th</a:t>
+                      </a:r>
+                      <a:r>
+                        <a:rPr lang="en-SG" sz="1300" b="0" dirty="0" smtClean="0">
+                          <a:latin typeface="Noveo Sans" charset="0"/>
+                          <a:ea typeface="Noveo Sans" charset="0"/>
+                          <a:cs typeface="Noveo Sans" charset="0"/>
+                        </a:rPr>
+                        <a:t> </a:t>
+                      </a:r>
+                      <a:r>
+                        <a:rPr lang="en-SG" sz="1300" b="0" dirty="0" smtClean="0">
+                          <a:latin typeface="Noveo Sans" charset="0"/>
+                          <a:ea typeface="Noveo Sans" charset="0"/>
+                          <a:cs typeface="Noveo Sans" charset="0"/>
+                        </a:rPr>
+                        <a:t>Aug</a:t>
                       </a:r>
                       <a:endParaRPr lang="en-US" sz="1300" b="0" dirty="0">
                         <a:latin typeface="Noveo Sans" charset="0"/>
@@ -7058,7 +7258,7 @@
                   </a:ext>
                 </a:extLst>
               </a:tr>
-              <a:tr h="250207">
+              <a:tr h="273461">
                 <a:tc>
                   <a:txBody>
                     <a:bodyPr/>
@@ -7090,7 +7290,7 @@
                   </a:ext>
                 </a:extLst>
               </a:tr>
-              <a:tr h="742415">
+              <a:tr h="879938">
                 <a:tc>
                   <a:txBody>
                     <a:bodyPr/>
@@ -7130,11 +7330,16 @@
                           <a:ea typeface="Noveo Sans" charset="0"/>
                           <a:cs typeface="Noveo Sans" charset="0"/>
                         </a:rPr>
-                        <a:t>Multiple Languages (English, Chinese and maybe Malay)</a:t>
-                      </a:r>
-                    </a:p>
-                    <a:p>
-                      <a:pPr algn="ctr"/>
+                        <a:t>Multiple Languages (English, Chinese and maybe Malay</a:t>
+                      </a:r>
+                      <a:r>
+                        <a:rPr lang="en-SG" sz="1200" dirty="0" smtClean="0">
+                          <a:latin typeface="Noveo Sans" charset="0"/>
+                          <a:ea typeface="Noveo Sans" charset="0"/>
+                          <a:cs typeface="Noveo Sans" charset="0"/>
+                        </a:rPr>
+                        <a:t>)</a:t>
+                      </a:r>
                       <a:endParaRPr lang="en-SG" sz="1200" dirty="0" smtClean="0">
                         <a:latin typeface="Noveo Sans" charset="0"/>
                         <a:ea typeface="Noveo Sans" charset="0"/>
@@ -7320,14 +7525,14 @@
           <p:nvPr>
             <p:extLst>
               <p:ext uri="{D42A27DB-BD31-4B8C-83A1-F6EECF244321}">
-                <p14:modId xmlns:p14="http://schemas.microsoft.com/office/powerpoint/2010/main" val="271336358"/>
+                <p14:modId xmlns:p14="http://schemas.microsoft.com/office/powerpoint/2010/main" val="141645418"/>
               </p:ext>
             </p:extLst>
           </p:nvPr>
         </p:nvGraphicFramePr>
         <p:xfrm>
-          <a:off x="4884293" y="1347440"/>
-          <a:ext cx="1932735" cy="1940635"/>
+          <a:off x="4870921" y="1538295"/>
+          <a:ext cx="1932735" cy="1669428"/>
         </p:xfrm>
         <a:graphic>
           <a:graphicData uri="http://schemas.openxmlformats.org/drawingml/2006/table">
@@ -7357,7 +7562,15 @@
                           <a:ea typeface="Noveo Sans" charset="0"/>
                           <a:cs typeface="Noveo Sans" charset="0"/>
                         </a:rPr>
-                        <a:t>22nd Aug</a:t>
+                        <a:t>29</a:t>
+                      </a:r>
+                      <a:r>
+                        <a:rPr lang="en-SG" sz="1300" b="0" baseline="30000" dirty="0" smtClean="0">
+                          <a:latin typeface="Noveo Sans" charset="0"/>
+                          <a:ea typeface="Noveo Sans" charset="0"/>
+                          <a:cs typeface="Noveo Sans" charset="0"/>
+                        </a:rPr>
+                        <a:t>th</a:t>
                       </a:r>
                       <a:r>
                         <a:rPr lang="en-SG" sz="1300" b="0" baseline="0" dirty="0" smtClean="0">
@@ -7373,7 +7586,55 @@
                           <a:ea typeface="Noveo Sans" charset="0"/>
                           <a:cs typeface="Noveo Sans" charset="0"/>
                         </a:rPr>
-                        <a:t>– 4th Sep</a:t>
+                        <a:t>Aug</a:t>
+                      </a:r>
+                      <a:r>
+                        <a:rPr lang="en-SG" sz="1300" b="0" baseline="0" dirty="0" smtClean="0">
+                          <a:latin typeface="Noveo Sans" charset="0"/>
+                          <a:ea typeface="Noveo Sans" charset="0"/>
+                          <a:cs typeface="Noveo Sans" charset="0"/>
+                        </a:rPr>
+                        <a:t> </a:t>
+                      </a:r>
+                      <a:r>
+                        <a:rPr lang="en-SG" sz="1300" b="0" dirty="0" smtClean="0">
+                          <a:latin typeface="Noveo Sans" charset="0"/>
+                          <a:ea typeface="Noveo Sans" charset="0"/>
+                          <a:cs typeface="Noveo Sans" charset="0"/>
+                        </a:rPr>
+                        <a:t>– </a:t>
+                      </a:r>
+                      <a:r>
+                        <a:rPr lang="en-SG" sz="1300" b="0" dirty="0" smtClean="0">
+                          <a:latin typeface="Noveo Sans" charset="0"/>
+                          <a:ea typeface="Noveo Sans" charset="0"/>
+                          <a:cs typeface="Noveo Sans" charset="0"/>
+                        </a:rPr>
+                        <a:t>11</a:t>
+                      </a:r>
+                      <a:r>
+                        <a:rPr lang="en-SG" sz="1300" b="0" baseline="30000" dirty="0" smtClean="0">
+                          <a:latin typeface="Noveo Sans" charset="0"/>
+                          <a:ea typeface="Noveo Sans" charset="0"/>
+                          <a:cs typeface="Noveo Sans" charset="0"/>
+                        </a:rPr>
+                        <a:t>th</a:t>
+                      </a:r>
+                      <a:r>
+                        <a:rPr lang="en-SG" sz="1300" b="0" dirty="0" smtClean="0">
+                          <a:latin typeface="Noveo Sans" charset="0"/>
+                          <a:ea typeface="Noveo Sans" charset="0"/>
+                          <a:cs typeface="Noveo Sans" charset="0"/>
+                        </a:rPr>
+                        <a:t> </a:t>
+                      </a:r>
+                      <a:r>
+                        <a:rPr lang="en-SG" sz="1300" b="0" dirty="0" smtClean="0">
+                          <a:latin typeface="Noveo Sans" charset="0"/>
+                          <a:ea typeface="Noveo Sans" charset="0"/>
+                          <a:cs typeface="Noveo Sans" charset="0"/>
+                        </a:rPr>
+                        <a:t>Sep</a:t>
                       </a:r>
                       <a:endParaRPr lang="en-US" sz="1300" b="0" dirty="0">
                         <a:latin typeface="Noveo Sans" charset="0"/>
@@ -7394,7 +7655,7 @@
                   </a:ext>
                 </a:extLst>
               </a:tr>
-              <a:tr h="951919">
+              <a:tr h="680712">
                 <a:tc>
                   <a:txBody>
                     <a:bodyPr/>
@@ -7420,11 +7681,6 @@
                         </a:rPr>
                         <a:t>Analytics (Analysis)</a:t>
                       </a:r>
-                      <a:endParaRPr lang="en-SG" sz="1200" dirty="0" smtClean="0">
-                        <a:latin typeface="Noveo Sans" charset="0"/>
-                        <a:ea typeface="Noveo Sans" charset="0"/>
-                        <a:cs typeface="Noveo Sans" charset="0"/>
-                      </a:endParaRPr>
                     </a:p>
                   </a:txBody>
                   <a:tcPr marL="96012" marR="96012" marT="48007" marB="48007" anchor="ctr">
@@ -7583,9 +7839,9 @@
           <p:nvPr/>
         </p:nvCxnSpPr>
         <p:spPr>
-          <a:xfrm>
-            <a:off x="5934549" y="3255337"/>
-            <a:ext cx="0" cy="836428"/>
+          <a:xfrm flipH="1">
+            <a:off x="5934549" y="3207723"/>
+            <a:ext cx="8360" cy="884042"/>
           </a:xfrm>
           <a:prstGeom prst="line">
             <a:avLst/>
@@ -7620,14 +7876,14 @@
           <p:nvPr>
             <p:extLst>
               <p:ext uri="{D42A27DB-BD31-4B8C-83A1-F6EECF244321}">
-                <p14:modId xmlns:p14="http://schemas.microsoft.com/office/powerpoint/2010/main" val="3494172220"/>
+                <p14:modId xmlns:p14="http://schemas.microsoft.com/office/powerpoint/2010/main" val="480126967"/>
               </p:ext>
             </p:extLst>
           </p:nvPr>
         </p:nvGraphicFramePr>
         <p:xfrm>
-          <a:off x="3531999" y="6966810"/>
-          <a:ext cx="2625544" cy="2518819"/>
+          <a:off x="3485786" y="7050433"/>
+          <a:ext cx="2625544" cy="2335939"/>
         </p:xfrm>
         <a:graphic>
           <a:graphicData uri="http://schemas.openxmlformats.org/drawingml/2006/table">
@@ -7657,7 +7913,31 @@
                           <a:ea typeface="Noveo Sans" charset="0"/>
                           <a:cs typeface="Noveo Sans" charset="0"/>
                         </a:rPr>
-                        <a:t>8th Aug</a:t>
+                        <a:t>15</a:t>
+                      </a:r>
+                      <a:r>
+                        <a:rPr lang="en-SG" sz="1300" b="0" baseline="30000" dirty="0" smtClean="0">
+                          <a:latin typeface="Noveo Sans" charset="0"/>
+                          <a:ea typeface="Noveo Sans" charset="0"/>
+                          <a:cs typeface="Noveo Sans" charset="0"/>
+                        </a:rPr>
+                        <a:t>th</a:t>
+                      </a:r>
+                      <a:r>
+                        <a:rPr lang="en-SG" sz="1300" b="0" dirty="0" smtClean="0">
+                          <a:latin typeface="Noveo Sans" charset="0"/>
+                          <a:ea typeface="Noveo Sans" charset="0"/>
+                          <a:cs typeface="Noveo Sans" charset="0"/>
+                        </a:rPr>
+                        <a:t> </a:t>
+                      </a:r>
+                      <a:r>
+                        <a:rPr lang="en-SG" sz="1300" b="0" dirty="0" smtClean="0">
+                          <a:latin typeface="Noveo Sans" charset="0"/>
+                          <a:ea typeface="Noveo Sans" charset="0"/>
+                          <a:cs typeface="Noveo Sans" charset="0"/>
+                        </a:rPr>
+                        <a:t>Aug</a:t>
                       </a:r>
                       <a:r>
                         <a:rPr lang="en-SG" sz="1300" b="0" baseline="0" dirty="0" smtClean="0">
@@ -7673,7 +7953,47 @@
                           <a:ea typeface="Noveo Sans" charset="0"/>
                           <a:cs typeface="Noveo Sans" charset="0"/>
                         </a:rPr>
-                        <a:t>– 21st Aug</a:t>
+                        <a:t>– </a:t>
+                      </a:r>
+                      <a:r>
+                        <a:rPr lang="en-SG" sz="1300" b="0" dirty="0" smtClean="0">
+                          <a:latin typeface="Noveo Sans" charset="0"/>
+                          <a:ea typeface="Noveo Sans" charset="0"/>
+                          <a:cs typeface="Noveo Sans" charset="0"/>
+                        </a:rPr>
+                        <a:t>28</a:t>
+                      </a:r>
+                      <a:r>
+                        <a:rPr lang="en-SG" sz="1300" b="0" baseline="30000" dirty="0" smtClean="0">
+                          <a:latin typeface="Noveo Sans" charset="0"/>
+                          <a:ea typeface="Noveo Sans" charset="0"/>
+                          <a:cs typeface="Noveo Sans" charset="0"/>
+                        </a:rPr>
+                        <a:t>th</a:t>
+                      </a:r>
+                      <a:r>
+                        <a:rPr lang="en-SG" sz="1300" b="0" baseline="0" dirty="0" smtClean="0">
+                          <a:latin typeface="Noveo Sans" charset="0"/>
+                          <a:ea typeface="Noveo Sans" charset="0"/>
+                          <a:cs typeface="Noveo Sans" charset="0"/>
+                        </a:rPr>
+                        <a:t> </a:t>
+                      </a:r>
+                      <a:r>
+                        <a:rPr lang="en-SG" sz="1300" b="0" dirty="0" smtClean="0">
+                          <a:latin typeface="Noveo Sans" charset="0"/>
+                          <a:ea typeface="Noveo Sans" charset="0"/>
+                          <a:cs typeface="Noveo Sans" charset="0"/>
+                        </a:rPr>
+                        <a:t> </a:t>
+                      </a:r>
+                      <a:r>
+                        <a:rPr lang="en-SG" sz="1300" b="0" dirty="0" smtClean="0">
+                          <a:latin typeface="Noveo Sans" charset="0"/>
+                          <a:ea typeface="Noveo Sans" charset="0"/>
+                          <a:cs typeface="Noveo Sans" charset="0"/>
+                        </a:rPr>
+                        <a:t>Aug</a:t>
                       </a:r>
                       <a:endParaRPr lang="en-US" sz="1300" b="0" dirty="0">
                         <a:latin typeface="Noveo Sans" charset="0"/>
@@ -7810,11 +8130,16 @@
                           <a:ea typeface="Noveo Sans" charset="0"/>
                           <a:cs typeface="Noveo Sans" charset="0"/>
                         </a:rPr>
-                        <a:t>Image Capturing</a:t>
-                      </a:r>
-                    </a:p>
-                    <a:p>
-                      <a:pPr algn="ctr"/>
+                        <a:t>Image </a:t>
+                      </a:r>
+                      <a:r>
+                        <a:rPr lang="en-SG" sz="1200" dirty="0" smtClean="0">
+                          <a:latin typeface="Noveo Sans" charset="0"/>
+                          <a:ea typeface="Noveo Sans" charset="0"/>
+                          <a:cs typeface="Noveo Sans" charset="0"/>
+                        </a:rPr>
+                        <a:t>Capturing</a:t>
+                      </a:r>
                       <a:endParaRPr lang="en-SG" sz="1200" dirty="0" smtClean="0">
                         <a:latin typeface="Noveo Sans" charset="0"/>
                         <a:ea typeface="Noveo Sans" charset="0"/>
@@ -8020,7 +8345,7 @@
           <p:nvPr>
             <p:extLst>
               <p:ext uri="{D42A27DB-BD31-4B8C-83A1-F6EECF244321}">
-                <p14:modId xmlns:p14="http://schemas.microsoft.com/office/powerpoint/2010/main" val="201306625"/>
+                <p14:modId xmlns:p14="http://schemas.microsoft.com/office/powerpoint/2010/main" val="3050654599"/>
               </p:ext>
             </p:extLst>
           </p:nvPr>
@@ -8057,7 +8382,63 @@
                           <a:ea typeface="Noveo Sans" charset="0"/>
                           <a:cs typeface="Noveo Sans" charset="0"/>
                         </a:rPr>
-                        <a:t>5th Sep – 18th Sep</a:t>
+                        <a:t>12</a:t>
+                      </a:r>
+                      <a:r>
+                        <a:rPr lang="en-SG" sz="1300" b="0" baseline="30000" dirty="0" smtClean="0">
+                          <a:latin typeface="Noveo Sans" charset="0"/>
+                          <a:ea typeface="Noveo Sans" charset="0"/>
+                          <a:cs typeface="Noveo Sans" charset="0"/>
+                        </a:rPr>
+                        <a:t>th</a:t>
+                      </a:r>
+                      <a:r>
+                        <a:rPr lang="en-SG" sz="1300" b="0" dirty="0" smtClean="0">
+                          <a:latin typeface="Noveo Sans" charset="0"/>
+                          <a:ea typeface="Noveo Sans" charset="0"/>
+                          <a:cs typeface="Noveo Sans" charset="0"/>
+                        </a:rPr>
+                        <a:t> </a:t>
+                      </a:r>
+                      <a:r>
+                        <a:rPr lang="en-SG" sz="1300" b="0" dirty="0" smtClean="0">
+                          <a:latin typeface="Noveo Sans" charset="0"/>
+                          <a:ea typeface="Noveo Sans" charset="0"/>
+                          <a:cs typeface="Noveo Sans" charset="0"/>
+                        </a:rPr>
+                        <a:t>Sep – </a:t>
+                      </a:r>
+                      <a:r>
+                        <a:rPr lang="en-SG" sz="1300" b="0" dirty="0" smtClean="0">
+                          <a:latin typeface="Noveo Sans" charset="0"/>
+                          <a:ea typeface="Noveo Sans" charset="0"/>
+                          <a:cs typeface="Noveo Sans" charset="0"/>
+                        </a:rPr>
+                        <a:t>25</a:t>
+                      </a:r>
+                      <a:r>
+                        <a:rPr lang="en-SG" sz="1300" b="0" baseline="30000" dirty="0" smtClean="0">
+                          <a:latin typeface="Noveo Sans" charset="0"/>
+                          <a:ea typeface="Noveo Sans" charset="0"/>
+                          <a:cs typeface="Noveo Sans" charset="0"/>
+                        </a:rPr>
+                        <a:t>th</a:t>
+                      </a:r>
+                      <a:r>
+                        <a:rPr lang="en-SG" sz="1300" b="0" dirty="0" smtClean="0">
+                          <a:latin typeface="Noveo Sans" charset="0"/>
+                          <a:ea typeface="Noveo Sans" charset="0"/>
+                          <a:cs typeface="Noveo Sans" charset="0"/>
+                        </a:rPr>
+                        <a:t> </a:t>
+                      </a:r>
+                      <a:r>
+                        <a:rPr lang="en-SG" sz="1300" b="0" dirty="0" smtClean="0">
+                          <a:latin typeface="Noveo Sans" charset="0"/>
+                          <a:ea typeface="Noveo Sans" charset="0"/>
+                          <a:cs typeface="Noveo Sans" charset="0"/>
+                        </a:rPr>
+                        <a:t>Sep</a:t>
                       </a:r>
                       <a:endParaRPr lang="en-US" sz="1300" b="0" dirty="0">
                         <a:latin typeface="Noveo Sans" charset="0"/>
@@ -8340,9 +8721,9 @@
           <p:nvPr/>
         </p:nvCxnSpPr>
         <p:spPr>
-          <a:xfrm>
-            <a:off x="7620017" y="2240545"/>
-            <a:ext cx="739" cy="1826381"/>
+          <a:xfrm flipH="1">
+            <a:off x="7636290" y="2168412"/>
+            <a:ext cx="23694" cy="1898514"/>
           </a:xfrm>
           <a:prstGeom prst="line">
             <a:avLst/>
@@ -8412,7 +8793,7 @@
           <p:nvPr>
             <p:extLst>
               <p:ext uri="{D42A27DB-BD31-4B8C-83A1-F6EECF244321}">
-                <p14:modId xmlns:p14="http://schemas.microsoft.com/office/powerpoint/2010/main" val="120010021"/>
+                <p14:modId xmlns:p14="http://schemas.microsoft.com/office/powerpoint/2010/main" val="3717699575"/>
               </p:ext>
             </p:extLst>
           </p:nvPr>
@@ -8449,7 +8830,31 @@
                           <a:ea typeface="Noveo Sans" charset="0"/>
                           <a:cs typeface="Noveo Sans" charset="0"/>
                         </a:rPr>
-                        <a:t>3rd Oct</a:t>
+                        <a:t>10</a:t>
+                      </a:r>
+                      <a:r>
+                        <a:rPr lang="en-SG" sz="1300" b="0" baseline="30000" dirty="0" smtClean="0">
+                          <a:latin typeface="Noveo Sans" charset="0"/>
+                          <a:ea typeface="Noveo Sans" charset="0"/>
+                          <a:cs typeface="Noveo Sans" charset="0"/>
+                        </a:rPr>
+                        <a:t>th</a:t>
+                      </a:r>
+                      <a:r>
+                        <a:rPr lang="en-SG" sz="1300" b="0" dirty="0" smtClean="0">
+                          <a:latin typeface="Noveo Sans" charset="0"/>
+                          <a:ea typeface="Noveo Sans" charset="0"/>
+                          <a:cs typeface="Noveo Sans" charset="0"/>
+                        </a:rPr>
+                        <a:t> </a:t>
+                      </a:r>
+                      <a:r>
+                        <a:rPr lang="en-SG" sz="1300" b="0" dirty="0" smtClean="0">
+                          <a:latin typeface="Noveo Sans" charset="0"/>
+                          <a:ea typeface="Noveo Sans" charset="0"/>
+                          <a:cs typeface="Noveo Sans" charset="0"/>
+                        </a:rPr>
+                        <a:t>Oct</a:t>
                       </a:r>
                       <a:r>
                         <a:rPr lang="en-SG" sz="1300" b="0" baseline="0" dirty="0" smtClean="0">
@@ -8465,7 +8870,39 @@
                           <a:ea typeface="Noveo Sans" charset="0"/>
                           <a:cs typeface="Noveo Sans" charset="0"/>
                         </a:rPr>
-                        <a:t>– 16th Oct</a:t>
+                        <a:t>– </a:t>
+                      </a:r>
+                      <a:r>
+                        <a:rPr lang="en-SG" sz="1300" b="0" dirty="0" smtClean="0">
+                          <a:latin typeface="Noveo Sans" charset="0"/>
+                          <a:ea typeface="Noveo Sans" charset="0"/>
+                          <a:cs typeface="Noveo Sans" charset="0"/>
+                        </a:rPr>
+                        <a:t>23</a:t>
+                      </a:r>
+                      <a:r>
+                        <a:rPr lang="en-SG" sz="1300" b="0" baseline="30000" dirty="0" smtClean="0">
+                          <a:latin typeface="Noveo Sans" charset="0"/>
+                          <a:ea typeface="Noveo Sans" charset="0"/>
+                          <a:cs typeface="Noveo Sans" charset="0"/>
+                        </a:rPr>
+                        <a:t>rd</a:t>
+                      </a:r>
+                      <a:r>
+                        <a:rPr lang="en-SG" sz="1300" b="0" baseline="0" dirty="0" smtClean="0">
+                          <a:latin typeface="Noveo Sans" charset="0"/>
+                          <a:ea typeface="Noveo Sans" charset="0"/>
+                          <a:cs typeface="Noveo Sans" charset="0"/>
+                        </a:rPr>
+                        <a:t> </a:t>
+                      </a:r>
+                      <a:r>
+                        <a:rPr lang="en-SG" sz="1300" b="0" dirty="0" smtClean="0">
+                          <a:latin typeface="Noveo Sans" charset="0"/>
+                          <a:ea typeface="Noveo Sans" charset="0"/>
+                          <a:cs typeface="Noveo Sans" charset="0"/>
+                        </a:rPr>
+                        <a:t>Oct</a:t>
                       </a:r>
                       <a:endParaRPr lang="en-US" sz="1300" b="0" dirty="0">
                         <a:latin typeface="Noveo Sans" charset="0"/>
@@ -8780,14 +9217,14 @@
           <p:nvPr>
             <p:extLst>
               <p:ext uri="{D42A27DB-BD31-4B8C-83A1-F6EECF244321}">
-                <p14:modId xmlns:p14="http://schemas.microsoft.com/office/powerpoint/2010/main" val="142297133"/>
+                <p14:modId xmlns:p14="http://schemas.microsoft.com/office/powerpoint/2010/main" val="1607761054"/>
               </p:ext>
             </p:extLst>
           </p:nvPr>
         </p:nvGraphicFramePr>
         <p:xfrm>
-          <a:off x="8532632" y="985432"/>
-          <a:ext cx="1992979" cy="2609725"/>
+          <a:off x="8753864" y="985432"/>
+          <a:ext cx="1771747" cy="2609725"/>
         </p:xfrm>
         <a:graphic>
           <a:graphicData uri="http://schemas.openxmlformats.org/drawingml/2006/table">
@@ -8796,7 +9233,7 @@
                 <a:tableStyleId>{073A0DAA-6AF3-43AB-8588-CEC1D06C72B9}</a:tableStyleId>
               </a:tblPr>
               <a:tblGrid>
-                <a:gridCol w="1992979">
+                <a:gridCol w="1771747">
                   <a:extLst>
                     <a:ext uri="{9D8B030D-6E8A-4147-A177-3AD203B41FA5}">
                       <a16:colId xmlns:a16="http://schemas.microsoft.com/office/drawing/2014/main" val="20000"/>
@@ -8817,7 +9254,55 @@
                           <a:ea typeface="Noveo Sans" charset="0"/>
                           <a:cs typeface="Noveo Sans" charset="0"/>
                         </a:rPr>
-                        <a:t>17th Oct– 30th Oct</a:t>
+                        <a:t>24</a:t>
+                      </a:r>
+                      <a:r>
+                        <a:rPr lang="en-SG" sz="1300" b="0" baseline="30000" dirty="0" smtClean="0">
+                          <a:latin typeface="Noveo Sans" charset="0"/>
+                          <a:ea typeface="Noveo Sans" charset="0"/>
+                          <a:cs typeface="Noveo Sans" charset="0"/>
+                        </a:rPr>
+                        <a:t>th</a:t>
+                      </a:r>
+                      <a:r>
+                        <a:rPr lang="en-SG" sz="1300" b="0" dirty="0" smtClean="0">
+                          <a:latin typeface="Noveo Sans" charset="0"/>
+                          <a:ea typeface="Noveo Sans" charset="0"/>
+                          <a:cs typeface="Noveo Sans" charset="0"/>
+                        </a:rPr>
+                        <a:t> </a:t>
+                      </a:r>
+                      <a:r>
+                        <a:rPr lang="en-SG" sz="1300" b="0" dirty="0" smtClean="0">
+                          <a:latin typeface="Noveo Sans" charset="0"/>
+                          <a:ea typeface="Noveo Sans" charset="0"/>
+                          <a:cs typeface="Noveo Sans" charset="0"/>
+                        </a:rPr>
+                        <a:t>Oct– </a:t>
+                      </a:r>
+                      <a:r>
+                        <a:rPr lang="en-SG" sz="1300" b="0" dirty="0" smtClean="0">
+                          <a:latin typeface="Noveo Sans" charset="0"/>
+                          <a:ea typeface="Noveo Sans" charset="0"/>
+                          <a:cs typeface="Noveo Sans" charset="0"/>
+                        </a:rPr>
+                        <a:t>6</a:t>
+                      </a:r>
+                      <a:r>
+                        <a:rPr lang="en-SG" sz="1300" b="0" baseline="30000" dirty="0" smtClean="0">
+                          <a:latin typeface="Noveo Sans" charset="0"/>
+                          <a:ea typeface="Noveo Sans" charset="0"/>
+                          <a:cs typeface="Noveo Sans" charset="0"/>
+                        </a:rPr>
+                        <a:t>th</a:t>
+                      </a:r>
+                      <a:r>
+                        <a:rPr lang="en-SG" sz="1300" b="0" dirty="0" smtClean="0">
+                          <a:latin typeface="Noveo Sans" charset="0"/>
+                          <a:ea typeface="Noveo Sans" charset="0"/>
+                          <a:cs typeface="Noveo Sans" charset="0"/>
+                        </a:rPr>
+                        <a:t> Nov</a:t>
                       </a:r>
                       <a:endParaRPr lang="en-US" sz="1300" b="0" dirty="0">
                         <a:latin typeface="Noveo Sans" charset="0"/>
@@ -9138,13 +9623,15 @@
       <p:cxnSp>
         <p:nvCxnSpPr>
           <p:cNvPr id="99" name="Straight Connector 98"/>
-          <p:cNvCxnSpPr/>
+          <p:cNvCxnSpPr>
+            <a:stCxn id="31" idx="2"/>
+          </p:cNvCxnSpPr>
           <p:nvPr/>
         </p:nvCxnSpPr>
         <p:spPr>
           <a:xfrm>
-            <a:off x="10458303" y="4421074"/>
-            <a:ext cx="0" cy="180867"/>
+            <a:off x="10454479" y="4389630"/>
+            <a:ext cx="3824" cy="212311"/>
           </a:xfrm>
           <a:prstGeom prst="line">
             <a:avLst/>
@@ -9179,14 +9666,14 @@
           <p:nvPr>
             <p:extLst>
               <p:ext uri="{D42A27DB-BD31-4B8C-83A1-F6EECF244321}">
-                <p14:modId xmlns:p14="http://schemas.microsoft.com/office/powerpoint/2010/main" val="326162453"/>
+                <p14:modId xmlns:p14="http://schemas.microsoft.com/office/powerpoint/2010/main" val="3267305029"/>
               </p:ext>
             </p:extLst>
           </p:nvPr>
         </p:nvGraphicFramePr>
         <p:xfrm>
-          <a:off x="8819489" y="4585993"/>
-          <a:ext cx="2055072" cy="2757124"/>
+          <a:off x="8964312" y="4581223"/>
+          <a:ext cx="2055072" cy="2617560"/>
         </p:xfrm>
         <a:graphic>
           <a:graphicData uri="http://schemas.openxmlformats.org/drawingml/2006/table">
@@ -9203,7 +9690,7 @@
                   </a:extLst>
                 </a:gridCol>
               </a:tblGrid>
-              <a:tr h="561000">
+              <a:tr h="421436">
                 <a:tc>
                   <a:txBody>
                     <a:bodyPr/>
@@ -9216,7 +9703,31 @@
                           <a:ea typeface="Noveo Sans" charset="0"/>
                           <a:cs typeface="Noveo Sans" charset="0"/>
                         </a:rPr>
-                        <a:t>31st Oct – 13th Nov</a:t>
+                        <a:t>7</a:t>
+                      </a:r>
+                      <a:r>
+                        <a:rPr lang="en-SG" sz="1300" b="0" baseline="30000" dirty="0" smtClean="0">
+                          <a:latin typeface="Noveo Sans" charset="0"/>
+                          <a:ea typeface="Noveo Sans" charset="0"/>
+                          <a:cs typeface="Noveo Sans" charset="0"/>
+                        </a:rPr>
+                        <a:t>th</a:t>
+                      </a:r>
+                      <a:r>
+                        <a:rPr lang="en-SG" sz="1300" b="0" dirty="0" smtClean="0">
+                          <a:latin typeface="Noveo Sans" charset="0"/>
+                          <a:ea typeface="Noveo Sans" charset="0"/>
+                          <a:cs typeface="Noveo Sans" charset="0"/>
+                        </a:rPr>
+                        <a:t> Nov </a:t>
+                      </a:r>
+                      <a:r>
+                        <a:rPr lang="en-SG" sz="1300" b="0" dirty="0" smtClean="0">
+                          <a:latin typeface="Noveo Sans" charset="0"/>
+                          <a:ea typeface="Noveo Sans" charset="0"/>
+                          <a:cs typeface="Noveo Sans" charset="0"/>
+                        </a:rPr>
+                        <a:t>– 13th Nov</a:t>
                       </a:r>
                       <a:endParaRPr lang="en-US" sz="1300" b="0" dirty="0">
                         <a:latin typeface="Noveo Sans" charset="0"/>
